--- a/BRKpointSolutions/Jeep Tracer - Lean Canvas Presentation.pptx
+++ b/BRKpointSolutions/Jeep Tracer - Lean Canvas Presentation.pptx
@@ -4217,7 +4217,15 @@
           <a:p>
             <a:r>
               <a:rPr lang="en-US" dirty="0" smtClean="0"/>
-              <a:t>A system that will track their children’s location by sending SMS of the location status and drivers info when using public transportation.</a:t>
+              <a:t>A system that will track their children’s location by sending SMS of the location status and </a:t>
+            </a:r>
+            <a:r>
+              <a:rPr lang="en-US" dirty="0" smtClean="0"/>
+              <a:t>vehicle info </a:t>
+            </a:r>
+            <a:r>
+              <a:rPr lang="en-US" dirty="0" smtClean="0"/>
+              <a:t>when using public transportation.</a:t>
             </a:r>
           </a:p>
           <a:p>

--- a/BRKpointSolutions/Jeep Tracer - Lean Canvas Presentation.pptx
+++ b/BRKpointSolutions/Jeep Tracer - Lean Canvas Presentation.pptx
@@ -3495,7 +3495,11 @@
           <a:p>
             <a:r>
               <a:rPr lang="en-US" dirty="0" smtClean="0"/>
-              <a:t>Lean Canvas</a:t>
+              <a:t>BRKpoint Solutions</a:t>
+            </a:r>
+            <a:r>
+              <a:rPr lang="en-US" dirty="0" smtClean="0"/>
+              <a:t/>
             </a:r>
             <a:br>
               <a:rPr lang="en-US" dirty="0" smtClean="0"/>
@@ -4217,15 +4221,7 @@
           <a:p>
             <a:r>
               <a:rPr lang="en-US" dirty="0" smtClean="0"/>
-              <a:t>A system that will track their children’s location by sending SMS of the location status and </a:t>
-            </a:r>
-            <a:r>
-              <a:rPr lang="en-US" dirty="0" smtClean="0"/>
-              <a:t>vehicle info </a:t>
-            </a:r>
-            <a:r>
-              <a:rPr lang="en-US" dirty="0" smtClean="0"/>
-              <a:t>when using public transportation.</a:t>
+              <a:t>A system that will track their children’s location by sending SMS of the location status and vehicle info when using public transportation.</a:t>
             </a:r>
           </a:p>
           <a:p>
